--- a/ClassMaterials/2DArraysAndMaps/Slides/Part3-Maps.pptx
+++ b/ClassMaterials/2DArraysAndMaps/Slides/Part3-Maps.pptx
@@ -5,10 +5,10 @@
     <p:sldMasterId id="2147483927" r:id="rId4"/>
   </p:sldMasterIdLst>
   <p:notesMasterIdLst>
-    <p:notesMasterId r:id="rId16"/>
+    <p:notesMasterId r:id="rId17"/>
   </p:notesMasterIdLst>
   <p:handoutMasterIdLst>
-    <p:handoutMasterId r:id="rId17"/>
+    <p:handoutMasterId r:id="rId18"/>
   </p:handoutMasterIdLst>
   <p:sldIdLst>
     <p:sldId id="300" r:id="rId5"/>
@@ -16,12 +16,13 @@
     <p:sldId id="263" r:id="rId7"/>
     <p:sldId id="318" r:id="rId8"/>
     <p:sldId id="319" r:id="rId9"/>
-    <p:sldId id="264" r:id="rId10"/>
-    <p:sldId id="258" r:id="rId11"/>
+    <p:sldId id="382" r:id="rId10"/>
+    <p:sldId id="264" r:id="rId11"/>
     <p:sldId id="316" r:id="rId12"/>
     <p:sldId id="304" r:id="rId13"/>
     <p:sldId id="309" r:id="rId14"/>
     <p:sldId id="381" r:id="rId15"/>
+    <p:sldId id="385" r:id="rId16"/>
   </p:sldIdLst>
   <p:sldSz cx="9144000" cy="6858000" type="screen4x3"/>
   <p:notesSz cx="7010400" cy="9296400"/>
@@ -914,7 +915,7 @@
               <a:pPr>
                 <a:defRPr/>
               </a:pPr>
-              <a:t>11/22/2022</a:t>
+              <a:t>12/1/2022</a:t>
             </a:fld>
             <a:endParaRPr lang="en-US"/>
           </a:p>
@@ -1149,7 +1150,7 @@
               <a:pPr>
                 <a:defRPr/>
               </a:pPr>
-              <a:t>11/22/2022</a:t>
+              <a:t>12/1/2022</a:t>
             </a:fld>
             <a:endParaRPr lang="en-US"/>
           </a:p>
@@ -2208,14 +2209,14 @@
           <a:lstStyle/>
           <a:p>
             <a:r>
-              <a:rPr lang="en-US"/>
+              <a:rPr lang="en-US" dirty="0"/>
               <a:t>For good measure, I will start this one from scratch just so they</a:t>
             </a:r>
             <a:r>
-              <a:rPr lang="en-US" baseline="0"/>
+              <a:rPr lang="en-US" baseline="0" dirty="0"/>
               <a:t> will see it from the ground up (I like them to see it from scratch sometimes, but it appears in the solution set).</a:t>
             </a:r>
-            <a:endParaRPr lang="en-US"/>
+            <a:endParaRPr lang="en-US" dirty="0"/>
           </a:p>
         </p:txBody>
       </p:sp>
@@ -2306,20 +2307,14 @@
           <a:lstStyle/>
           <a:p>
             <a:r>
-              <a:rPr lang="en-US"/>
-              <a:t>Once groups are finished, ask them to work on the array problems from SVN</a:t>
-            </a:r>
-          </a:p>
-          <a:p>
-            <a:r>
-              <a:rPr lang="en-US"/>
-              <a:t>Once</a:t>
-            </a:r>
-            <a:r>
-              <a:rPr lang="en-US" baseline="0"/>
-              <a:t> enough groups are finished, review the quiz questions and pint class to the cheat sheet</a:t>
-            </a:r>
-            <a:endParaRPr lang="en-US"/>
+              <a:rPr lang="en-US" dirty="0"/>
+              <a:t>For good measure, I will start this one from scratch just so they</a:t>
+            </a:r>
+            <a:r>
+              <a:rPr lang="en-US" baseline="0" dirty="0"/>
+              <a:t> will see it from the ground up (I like them to see it from scratch sometimes, but it appears in the solution set).</a:t>
+            </a:r>
+            <a:endParaRPr lang="en-US" dirty="0"/>
           </a:p>
         </p:txBody>
       </p:sp>
@@ -2355,7 +2350,7 @@
     </p:spTree>
     <p:extLst>
       <p:ext uri="{BB962C8B-B14F-4D97-AF65-F5344CB8AC3E}">
-        <p14:creationId xmlns:p14="http://schemas.microsoft.com/office/powerpoint/2010/main" val="4010864625"/>
+        <p14:creationId xmlns:p14="http://schemas.microsoft.com/office/powerpoint/2010/main" val="2197361127"/>
       </p:ext>
     </p:extLst>
   </p:cSld>
@@ -2744,7 +2739,7 @@
               <a:pPr>
                 <a:defRPr/>
               </a:pPr>
-              <a:t>Tuesday, November 22, 2022</a:t>
+              <a:t>Thursday, December 1, 2022</a:t>
             </a:fld>
             <a:endParaRPr lang="en-US"/>
           </a:p>
@@ -2927,7 +2922,7 @@
               <a:pPr>
                 <a:defRPr/>
               </a:pPr>
-              <a:t>Tuesday, November 22, 2022</a:t>
+              <a:t>Thursday, December 1, 2022</a:t>
             </a:fld>
             <a:endParaRPr lang="en-US"/>
           </a:p>
@@ -3120,7 +3115,7 @@
               <a:pPr>
                 <a:defRPr/>
               </a:pPr>
-              <a:t>Tuesday, November 22, 2022</a:t>
+              <a:t>Thursday, December 1, 2022</a:t>
             </a:fld>
             <a:endParaRPr lang="en-US"/>
           </a:p>
@@ -3303,7 +3298,7 @@
               <a:pPr>
                 <a:defRPr/>
               </a:pPr>
-              <a:t>Tuesday, November 22, 2022</a:t>
+              <a:t>Thursday, December 1, 2022</a:t>
             </a:fld>
             <a:endParaRPr lang="en-US"/>
           </a:p>
@@ -3563,7 +3558,7 @@
               <a:pPr>
                 <a:defRPr/>
               </a:pPr>
-              <a:t>Tuesday, November 22, 2022</a:t>
+              <a:t>Thursday, December 1, 2022</a:t>
             </a:fld>
             <a:endParaRPr lang="en-US"/>
           </a:p>
@@ -3863,7 +3858,7 @@
               <a:pPr>
                 <a:defRPr/>
               </a:pPr>
-              <a:t>Tuesday, November 22, 2022</a:t>
+              <a:t>Thursday, December 1, 2022</a:t>
             </a:fld>
             <a:endParaRPr lang="en-US"/>
           </a:p>
@@ -4297,7 +4292,7 @@
               <a:pPr>
                 <a:defRPr/>
               </a:pPr>
-              <a:t>Tuesday, November 22, 2022</a:t>
+              <a:t>Thursday, December 1, 2022</a:t>
             </a:fld>
             <a:endParaRPr lang="en-US"/>
           </a:p>
@@ -4429,7 +4424,7 @@
               <a:pPr>
                 <a:defRPr/>
               </a:pPr>
-              <a:t>Tuesday, November 22, 2022</a:t>
+              <a:t>Thursday, December 1, 2022</a:t>
             </a:fld>
             <a:endParaRPr lang="en-US"/>
           </a:p>
@@ -4539,7 +4534,7 @@
               <a:pPr>
                 <a:defRPr/>
               </a:pPr>
-              <a:t>Tuesday, November 22, 2022</a:t>
+              <a:t>Thursday, December 1, 2022</a:t>
             </a:fld>
             <a:endParaRPr lang="en-US"/>
           </a:p>
@@ -4829,7 +4824,7 @@
               <a:pPr>
                 <a:defRPr/>
               </a:pPr>
-              <a:t>Tuesday, November 22, 2022</a:t>
+              <a:t>Thursday, December 1, 2022</a:t>
             </a:fld>
             <a:endParaRPr lang="en-US"/>
           </a:p>
@@ -5096,7 +5091,7 @@
               <a:pPr>
                 <a:defRPr/>
               </a:pPr>
-              <a:t>Tuesday, November 22, 2022</a:t>
+              <a:t>Thursday, December 1, 2022</a:t>
             </a:fld>
             <a:endParaRPr lang="en-US"/>
           </a:p>
@@ -5322,7 +5317,7 @@
               <a:pPr>
                 <a:defRPr/>
               </a:pPr>
-              <a:t>Tuesday, November 22, 2022</a:t>
+              <a:t>Thursday, December 1, 2022</a:t>
             </a:fld>
             <a:endParaRPr lang="en-US"/>
           </a:p>
@@ -7880,33 +7875,140 @@
         </p:spPr>
         <p:txBody>
           <a:bodyPr>
+            <a:normAutofit fontScale="92500" lnSpcReduction="20000"/>
+          </a:bodyPr>
+          <a:lstStyle/>
+          <a:p>
+            <a:pPr marL="0" indent="0">
+              <a:buNone/>
+            </a:pPr>
+            <a:r>
+              <a:rPr lang="en-US" sz="2800" b="1" dirty="0"/>
+              <a:t>Collaborative Exercises</a:t>
+            </a:r>
+          </a:p>
+          <a:p>
+            <a:r>
+              <a:rPr lang="en-US" sz="2800" i="1" dirty="0"/>
+              <a:t>Practice2DArraysAndMaps</a:t>
+            </a:r>
+          </a:p>
+          <a:p>
+            <a:r>
+              <a:rPr lang="en-US" sz="2800" i="1" dirty="0"/>
+              <a:t>2DArraysAndMapsQuiz</a:t>
+            </a:r>
+          </a:p>
+          <a:p>
+            <a:endParaRPr lang="en-US" sz="2800" dirty="0"/>
+          </a:p>
+          <a:p>
+            <a:r>
+              <a:rPr lang="en-US" sz="2800" dirty="0"/>
+              <a:t>Post ANY questions to Piazza </a:t>
+            </a:r>
+            <a:r>
+              <a:rPr lang="en-US" sz="2800" b="1" i="1" u="sng" dirty="0"/>
+              <a:t>even including code </a:t>
+            </a:r>
+            <a:r>
+              <a:rPr lang="en-US" sz="2800" dirty="0"/>
+              <a:t>since this is purely collaborative exercise and the solution code is available to you</a:t>
+            </a:r>
+          </a:p>
+          <a:p>
+            <a:r>
+              <a:rPr lang="en-US" sz="2800" dirty="0"/>
+              <a:t>Please help! Post answers to questions posted by other students</a:t>
+            </a:r>
+          </a:p>
+          <a:p>
+            <a:endParaRPr lang="en-US" sz="2800" dirty="0"/>
+          </a:p>
+          <a:p>
+            <a:endParaRPr lang="en-US" sz="2800" dirty="0"/>
+          </a:p>
+        </p:txBody>
+      </p:sp>
+    </p:spTree>
+    <p:extLst>
+      <p:ext uri="{BB962C8B-B14F-4D97-AF65-F5344CB8AC3E}">
+        <p14:creationId xmlns:p14="http://schemas.microsoft.com/office/powerpoint/2010/main" val="1401686825"/>
+      </p:ext>
+    </p:extLst>
+  </p:cSld>
+  <p:clrMapOvr>
+    <a:masterClrMapping/>
+  </p:clrMapOvr>
+</p:sld>
+</file>
+
+<file path=ppt/slides/slide12.xml><?xml version="1.0" encoding="utf-8"?>
+<p:sld xmlns:a="http://schemas.openxmlformats.org/drawingml/2006/main" xmlns:r="http://schemas.openxmlformats.org/officeDocument/2006/relationships" xmlns:p="http://schemas.openxmlformats.org/presentationml/2006/main">
+  <p:cSld>
+    <p:spTree>
+      <p:nvGrpSpPr>
+        <p:cNvPr id="1" name=""/>
+        <p:cNvGrpSpPr/>
+        <p:nvPr/>
+      </p:nvGrpSpPr>
+      <p:grpSpPr>
+        <a:xfrm>
+          <a:off x="0" y="0"/>
+          <a:ext cx="0" cy="0"/>
+          <a:chOff x="0" y="0"/>
+          <a:chExt cx="0" cy="0"/>
+        </a:xfrm>
+      </p:grpSpPr>
+      <p:sp>
+        <p:nvSpPr>
+          <p:cNvPr id="2" name="Title 1"/>
+          <p:cNvSpPr>
+            <a:spLocks noGrp="1"/>
+          </p:cNvSpPr>
+          <p:nvPr>
+            <p:ph type="title"/>
+          </p:nvPr>
+        </p:nvSpPr>
+        <p:spPr/>
+        <p:txBody>
+          <a:bodyPr>
             <a:normAutofit/>
           </a:bodyPr>
           <a:lstStyle/>
           <a:p>
             <a:r>
+              <a:rPr lang="en-US" dirty="0"/>
+              <a:t>Academic Integrity Annotation</a:t>
+            </a:r>
+          </a:p>
+        </p:txBody>
+      </p:sp>
+      <p:sp>
+        <p:nvSpPr>
+          <p:cNvPr id="3" name="Content Placeholder 2"/>
+          <p:cNvSpPr>
+            <a:spLocks noGrp="1"/>
+          </p:cNvSpPr>
+          <p:nvPr>
+            <p:ph idx="1"/>
+          </p:nvPr>
+        </p:nvSpPr>
+        <p:spPr>
+          <a:xfrm>
+            <a:off x="457200" y="1600201"/>
+            <a:ext cx="8229600" cy="3425158"/>
+          </a:xfrm>
+        </p:spPr>
+        <p:txBody>
+          <a:bodyPr>
+            <a:normAutofit/>
+          </a:bodyPr>
+          <a:lstStyle/>
+          <a:p>
+            <a:r>
               <a:rPr lang="en-US" sz="2800" dirty="0"/>
-              <a:t>Post ANY questions to Piazza </a:t>
-            </a:r>
-            <a:r>
-              <a:rPr lang="en-US" sz="2800" b="1" i="1" u="sng" dirty="0"/>
-              <a:t>even including code </a:t>
-            </a:r>
-            <a:r>
-              <a:rPr lang="en-US" sz="2800" dirty="0"/>
-              <a:t>since this is purely collaborative exercise and the solution code is available to you</a:t>
-            </a:r>
-          </a:p>
-          <a:p>
-            <a:r>
-              <a:rPr lang="en-US" sz="2800" dirty="0"/>
-              <a:t>Please help! Post answers to questions posted by other students</a:t>
-            </a:r>
-          </a:p>
-          <a:p>
-            <a:r>
-              <a:rPr lang="en-US" sz="2800" dirty="0"/>
-              <a:t>Before next class make at least one annotation on the Academic Integrity Guidelines:</a:t>
+              <a:t>Before next class make at least one annotation on the Academic Integrity Guidelines</a:t>
             </a:r>
           </a:p>
           <a:p>
@@ -7936,7 +8038,7 @@
         </p:blipFill>
         <p:spPr>
           <a:xfrm>
-            <a:off x="368834" y="5025359"/>
+            <a:off x="457200" y="2973039"/>
             <a:ext cx="8029815" cy="1702206"/>
           </a:xfrm>
           <a:prstGeom prst="rect">
@@ -7947,7 +8049,7 @@
     </p:spTree>
     <p:extLst>
       <p:ext uri="{BB962C8B-B14F-4D97-AF65-F5344CB8AC3E}">
-        <p14:creationId xmlns:p14="http://schemas.microsoft.com/office/powerpoint/2010/main" val="1401686825"/>
+        <p14:creationId xmlns:p14="http://schemas.microsoft.com/office/powerpoint/2010/main" val="1132888000"/>
       </p:ext>
     </p:extLst>
   </p:cSld>
@@ -8565,7 +8667,7 @@
               </a:tabLst>
             </a:pPr>
             <a:r>
-              <a:rPr lang="en-US" sz="2400">
+              <a:rPr lang="en-US" sz="2400" dirty="0">
                 <a:latin typeface="Courier New" panose="02070309020205020404" pitchFamily="49" charset="0"/>
                 <a:cs typeface="Courier New" panose="02070309020205020404" pitchFamily="49" charset="0"/>
               </a:rPr>
@@ -8580,35 +8682,42 @@
               </a:tabLst>
             </a:pPr>
             <a:r>
-              <a:rPr lang="en-US" sz="2400">
+              <a:rPr lang="en-US" sz="2400" dirty="0">
                 <a:latin typeface="Courier New" panose="02070309020205020404" pitchFamily="49" charset="0"/>
                 <a:cs typeface="Courier New" panose="02070309020205020404" pitchFamily="49" charset="0"/>
               </a:rPr>
               <a:t>	</a:t>
             </a:r>
             <a:r>
-              <a:rPr lang="en-US" sz="2400" err="1">
-                <a:latin typeface="Courier New" panose="02070309020205020404" pitchFamily="49" charset="0"/>
-                <a:cs typeface="Courier New" panose="02070309020205020404" pitchFamily="49" charset="0"/>
+              <a:rPr lang="en-US" sz="2400" dirty="0">
+                <a:latin typeface="Courier New"/>
+                <a:cs typeface="Courier New"/>
               </a:rPr>
-              <a:t>airportMap</a:t>
-            </a:r>
-            <a:r>
-              <a:rPr lang="en-US" sz="2400">
+              <a:t> </a:t>
+            </a:r>
+            <a:r>
+              <a:rPr lang="en-US" sz="2400" dirty="0" err="1">
+                <a:latin typeface="Courier New"/>
+                <a:cs typeface="Courier New"/>
+              </a:rPr>
+              <a:t>zipcodeToAirport</a:t>
+            </a:r>
+            <a:r>
+              <a:rPr lang="en-US" sz="2400" dirty="0">
                 <a:latin typeface="Courier New" panose="02070309020205020404" pitchFamily="49" charset="0"/>
                 <a:cs typeface="Courier New" panose="02070309020205020404" pitchFamily="49" charset="0"/>
               </a:rPr>
               <a:t> = </a:t>
             </a:r>
             <a:r>
-              <a:rPr lang="en-US" sz="2400" b="1">
+              <a:rPr lang="en-US" sz="2400" b="1" dirty="0">
                 <a:latin typeface="Courier New" panose="02070309020205020404" pitchFamily="49" charset="0"/>
                 <a:cs typeface="Courier New" panose="02070309020205020404" pitchFamily="49" charset="0"/>
               </a:rPr>
               <a:t>new</a:t>
             </a:r>
             <a:r>
-              <a:rPr lang="en-US" sz="2400">
+              <a:rPr lang="en-US" sz="2400" dirty="0">
                 <a:latin typeface="Courier New" panose="02070309020205020404" pitchFamily="49" charset="0"/>
                 <a:cs typeface="Courier New" panose="02070309020205020404" pitchFamily="49" charset="0"/>
               </a:rPr>
@@ -8622,7 +8731,7 @@
                 <a:tab pos="338138" algn="l"/>
               </a:tabLst>
             </a:pPr>
-            <a:endParaRPr lang="en-US" sz="3300">
+            <a:endParaRPr lang="en-US" sz="3300" dirty="0">
               <a:cs typeface="Courier New" panose="02070309020205020404" pitchFamily="49" charset="0"/>
             </a:endParaRPr>
           </a:p>
@@ -8634,7 +8743,7 @@
               </a:tabLst>
             </a:pPr>
             <a:r>
-              <a:rPr lang="en-US" sz="3300">
+              <a:rPr lang="en-US" sz="3300" dirty="0">
                 <a:cs typeface="Courier New" panose="02070309020205020404" pitchFamily="49" charset="0"/>
               </a:rPr>
               <a:t>Represented with a mathematical set:</a:t>
@@ -8647,7 +8756,7 @@
                 <a:tab pos="338138" algn="l"/>
               </a:tabLst>
             </a:pPr>
-            <a:endParaRPr lang="en-US" sz="2400">
+            <a:endParaRPr lang="en-US" sz="2400" dirty="0">
               <a:latin typeface="Courier New" panose="02070309020205020404" pitchFamily="49" charset="0"/>
               <a:cs typeface="Courier New" panose="02070309020205020404" pitchFamily="49" charset="0"/>
             </a:endParaRPr>
@@ -8660,14 +8769,14 @@
               </a:tabLst>
             </a:pPr>
             <a:r>
-              <a:rPr lang="en-US" err="1">
+              <a:rPr lang="en-US" dirty="0" err="1">
                 <a:latin typeface="Courier New"/>
                 <a:cs typeface="Courier New"/>
               </a:rPr>
-              <a:t>airportToElevation</a:t>
-            </a:r>
-            <a:r>
-              <a:rPr lang="en-US">
+              <a:t>zipcodeToAirport</a:t>
+            </a:r>
+            <a:r>
+              <a:rPr lang="en-US" dirty="0">
                 <a:latin typeface="Courier New"/>
                 <a:cs typeface="Courier New"/>
               </a:rPr>
@@ -8682,7 +8791,7 @@
               </a:tabLst>
             </a:pPr>
             <a:r>
-              <a:rPr lang="en-US">
+              <a:rPr lang="en-US" dirty="0">
                 <a:latin typeface="Courier New" panose="02070309020205020404" pitchFamily="49" charset="0"/>
                 <a:cs typeface="Courier New" panose="02070309020205020404" pitchFamily="49" charset="0"/>
               </a:rPr>
@@ -8697,7 +8806,7 @@
               </a:tabLst>
             </a:pPr>
             <a:r>
-              <a:rPr lang="en-US">
+              <a:rPr lang="en-US" dirty="0">
                 <a:latin typeface="Courier New" panose="02070309020205020404" pitchFamily="49" charset="0"/>
                 <a:cs typeface="Courier New" panose="02070309020205020404" pitchFamily="49" charset="0"/>
               </a:rPr>
@@ -8712,7 +8821,7 @@
               </a:tabLst>
             </a:pPr>
             <a:r>
-              <a:rPr lang="en-US">
+              <a:rPr lang="en-US" dirty="0">
                 <a:latin typeface="Courier New" panose="02070309020205020404" pitchFamily="49" charset="0"/>
                 <a:cs typeface="Courier New" panose="02070309020205020404" pitchFamily="49" charset="0"/>
               </a:rPr>
@@ -8727,7 +8836,7 @@
               </a:tabLst>
             </a:pPr>
             <a:r>
-              <a:rPr lang="en-US">
+              <a:rPr lang="en-US" dirty="0">
                 <a:latin typeface="Courier New" panose="02070309020205020404" pitchFamily="49" charset="0"/>
                 <a:cs typeface="Courier New" panose="02070309020205020404" pitchFamily="49" charset="0"/>
               </a:rPr>
@@ -8742,7 +8851,7 @@
               </a:tabLst>
             </a:pPr>
             <a:r>
-              <a:rPr lang="en-US">
+              <a:rPr lang="en-US" dirty="0">
                 <a:latin typeface="Courier New" panose="02070309020205020404" pitchFamily="49" charset="0"/>
                 <a:cs typeface="Courier New" panose="02070309020205020404" pitchFamily="49" charset="0"/>
               </a:rPr>
@@ -8757,7 +8866,7 @@
               </a:tabLst>
             </a:pPr>
             <a:r>
-              <a:rPr lang="en-US">
+              <a:rPr lang="en-US" dirty="0">
                 <a:latin typeface="Courier New" panose="02070309020205020404" pitchFamily="49" charset="0"/>
                 <a:cs typeface="Courier New" panose="02070309020205020404" pitchFamily="49" charset="0"/>
               </a:rPr>
@@ -8772,12 +8881,24 @@
               </a:tabLst>
             </a:pPr>
             <a:r>
-              <a:rPr lang="en-US">
+              <a:rPr lang="en-US" dirty="0">
                 <a:latin typeface="Courier New" panose="02070309020205020404" pitchFamily="49" charset="0"/>
                 <a:cs typeface="Courier New" panose="02070309020205020404" pitchFamily="49" charset="0"/>
               </a:rPr>
               <a:t>}</a:t>
             </a:r>
+          </a:p>
+          <a:p>
+            <a:pPr marL="0" indent="0">
+              <a:buNone/>
+              <a:tabLst>
+                <a:tab pos="501650" algn="l"/>
+              </a:tabLst>
+            </a:pPr>
+            <a:endParaRPr lang="en-US" dirty="0">
+              <a:latin typeface="Courier New" panose="02070309020205020404" pitchFamily="49" charset="0"/>
+              <a:cs typeface="Courier New" panose="02070309020205020404" pitchFamily="49" charset="0"/>
+            </a:endParaRPr>
           </a:p>
           <a:p>
             <a:pPr marL="0" indent="0">
@@ -8786,7 +8907,7 @@
                 <a:tab pos="338138" algn="l"/>
               </a:tabLst>
             </a:pPr>
-            <a:endParaRPr lang="en-US" sz="2400">
+            <a:endParaRPr lang="en-US" sz="2400" dirty="0">
               <a:latin typeface="Courier New" panose="02070309020205020404" pitchFamily="49" charset="0"/>
               <a:cs typeface="Courier New" panose="02070309020205020404" pitchFamily="49" charset="0"/>
             </a:endParaRPr>
@@ -8798,7 +8919,7 @@
                 <a:tab pos="338138" algn="l"/>
               </a:tabLst>
             </a:pPr>
-            <a:endParaRPr lang="en-US" sz="2400">
+            <a:endParaRPr lang="en-US" sz="2400" dirty="0">
               <a:latin typeface="Courier New" panose="02070309020205020404" pitchFamily="49" charset="0"/>
               <a:cs typeface="Courier New" panose="02070309020205020404" pitchFamily="49" charset="0"/>
             </a:endParaRPr>
@@ -8810,7 +8931,7 @@
                 <a:tab pos="338138" algn="l"/>
               </a:tabLst>
             </a:pPr>
-            <a:endParaRPr lang="en-US" sz="2400">
+            <a:endParaRPr lang="en-US" sz="2400" dirty="0">
               <a:latin typeface="Courier New" panose="02070309020205020404" pitchFamily="49" charset="0"/>
               <a:cs typeface="Courier New" panose="02070309020205020404" pitchFamily="49" charset="0"/>
             </a:endParaRPr>
@@ -8863,7 +8984,7 @@
           <a:lstStyle/>
           <a:p>
             <a:r>
-              <a:rPr lang="en-US"/>
+              <a:rPr lang="en-US" dirty="0"/>
               <a:t>Maps</a:t>
             </a:r>
           </a:p>
@@ -8885,30 +9006,532 @@
           <a:lstStyle/>
           <a:p>
             <a:r>
-              <a:rPr lang="en-US"/>
+              <a:rPr lang="en-US" dirty="0"/>
               <a:t>Sometimes, it’s difficult to fully understand maps.</a:t>
             </a:r>
           </a:p>
           <a:p>
             <a:r>
-              <a:rPr lang="en-US"/>
-              <a:t>Let’s work with MapExampleV1 from Team's channel </a:t>
-            </a:r>
-            <a:r>
-              <a:rPr lang="en-US" i="1"/>
-              <a:t>Sections -01 and 02</a:t>
-            </a:r>
-            <a:r>
-              <a:rPr lang="en-US"/>
-              <a:t>:</a:t>
-            </a:r>
-          </a:p>
-        </p:txBody>
-      </p:sp>
+              <a:rPr lang="en-US" dirty="0"/>
+              <a:t>Let’s do an example together:</a:t>
+            </a:r>
+          </a:p>
+          <a:p>
+            <a:pPr lvl="1"/>
+            <a:r>
+              <a:rPr lang="en-US" dirty="0"/>
+              <a:t>Implement an int array using a map</a:t>
+            </a:r>
+          </a:p>
+          <a:p>
+            <a:pPr lvl="1"/>
+            <a:r>
+              <a:rPr lang="en-US" dirty="0"/>
+              <a:t>Then we will make a word to square map</a:t>
+            </a:r>
+          </a:p>
+        </p:txBody>
+      </p:sp>
+      <p:graphicFrame>
+        <p:nvGraphicFramePr>
+          <p:cNvPr id="4" name="Table 4">
+            <a:extLst>
+              <a:ext uri="{FF2B5EF4-FFF2-40B4-BE49-F238E27FC236}">
+                <a16:creationId xmlns:a16="http://schemas.microsoft.com/office/drawing/2014/main" id="{441609CD-808B-7123-9616-67994AF56B47}"/>
+              </a:ext>
+            </a:extLst>
+          </p:cNvPr>
+          <p:cNvGraphicFramePr>
+            <a:graphicFrameLocks noGrp="1"/>
+          </p:cNvGraphicFramePr>
+          <p:nvPr>
+            <p:extLst>
+              <p:ext uri="{D42A27DB-BD31-4B8C-83A1-F6EECF244321}">
+                <p14:modId xmlns:p14="http://schemas.microsoft.com/office/powerpoint/2010/main" val="4236396850"/>
+              </p:ext>
+            </p:extLst>
+          </p:nvPr>
+        </p:nvGraphicFramePr>
+        <p:xfrm>
+          <a:off x="880729" y="4335639"/>
+          <a:ext cx="2027275" cy="2225040"/>
+        </p:xfrm>
+        <a:graphic>
+          <a:graphicData uri="http://schemas.openxmlformats.org/drawingml/2006/table">
+            <a:tbl>
+              <a:tblPr firstRow="1" bandRow="1">
+                <a:tableStyleId>{5C22544A-7EE6-4342-B048-85BDC9FD1C3A}</a:tableStyleId>
+              </a:tblPr>
+              <a:tblGrid>
+                <a:gridCol w="708837">
+                  <a:extLst>
+                    <a:ext uri="{9D8B030D-6E8A-4147-A177-3AD203B41FA5}">
+                      <a16:colId xmlns:a16="http://schemas.microsoft.com/office/drawing/2014/main" val="3013170273"/>
+                    </a:ext>
+                  </a:extLst>
+                </a:gridCol>
+                <a:gridCol w="1318438">
+                  <a:extLst>
+                    <a:ext uri="{9D8B030D-6E8A-4147-A177-3AD203B41FA5}">
+                      <a16:colId xmlns:a16="http://schemas.microsoft.com/office/drawing/2014/main" val="903354354"/>
+                    </a:ext>
+                  </a:extLst>
+                </a:gridCol>
+              </a:tblGrid>
+              <a:tr h="370840">
+                <a:tc>
+                  <a:txBody>
+                    <a:bodyPr/>
+                    <a:lstStyle/>
+                    <a:p>
+                      <a:r>
+                        <a:rPr lang="en-US" dirty="0"/>
+                        <a:t>Key</a:t>
+                      </a:r>
+                    </a:p>
+                  </a:txBody>
+                  <a:tcPr/>
+                </a:tc>
+                <a:tc>
+                  <a:txBody>
+                    <a:bodyPr/>
+                    <a:lstStyle/>
+                    <a:p>
+                      <a:r>
+                        <a:rPr lang="en-US" dirty="0"/>
+                        <a:t>Value</a:t>
+                      </a:r>
+                    </a:p>
+                  </a:txBody>
+                  <a:tcPr/>
+                </a:tc>
+                <a:extLst>
+                  <a:ext uri="{0D108BD9-81ED-4DB2-BD59-A6C34878D82A}">
+                    <a16:rowId xmlns:a16="http://schemas.microsoft.com/office/drawing/2014/main" val="2731713160"/>
+                  </a:ext>
+                </a:extLst>
+              </a:tr>
+              <a:tr h="370840">
+                <a:tc>
+                  <a:txBody>
+                    <a:bodyPr/>
+                    <a:lstStyle/>
+                    <a:p>
+                      <a:r>
+                        <a:rPr lang="en-US" dirty="0"/>
+                        <a:t>0</a:t>
+                      </a:r>
+                    </a:p>
+                  </a:txBody>
+                  <a:tcPr/>
+                </a:tc>
+                <a:tc>
+                  <a:txBody>
+                    <a:bodyPr/>
+                    <a:lstStyle/>
+                    <a:p>
+                      <a:r>
+                        <a:rPr lang="en-US" dirty="0"/>
+                        <a:t>1</a:t>
+                      </a:r>
+                    </a:p>
+                  </a:txBody>
+                  <a:tcPr/>
+                </a:tc>
+                <a:extLst>
+                  <a:ext uri="{0D108BD9-81ED-4DB2-BD59-A6C34878D82A}">
+                    <a16:rowId xmlns:a16="http://schemas.microsoft.com/office/drawing/2014/main" val="2928867430"/>
+                  </a:ext>
+                </a:extLst>
+              </a:tr>
+              <a:tr h="370840">
+                <a:tc>
+                  <a:txBody>
+                    <a:bodyPr/>
+                    <a:lstStyle/>
+                    <a:p>
+                      <a:r>
+                        <a:rPr lang="en-US" dirty="0"/>
+                        <a:t>1</a:t>
+                      </a:r>
+                    </a:p>
+                  </a:txBody>
+                  <a:tcPr/>
+                </a:tc>
+                <a:tc>
+                  <a:txBody>
+                    <a:bodyPr/>
+                    <a:lstStyle/>
+                    <a:p>
+                      <a:r>
+                        <a:rPr lang="en-US" dirty="0"/>
+                        <a:t>1</a:t>
+                      </a:r>
+                    </a:p>
+                  </a:txBody>
+                  <a:tcPr/>
+                </a:tc>
+                <a:extLst>
+                  <a:ext uri="{0D108BD9-81ED-4DB2-BD59-A6C34878D82A}">
+                    <a16:rowId xmlns:a16="http://schemas.microsoft.com/office/drawing/2014/main" val="154915069"/>
+                  </a:ext>
+                </a:extLst>
+              </a:tr>
+              <a:tr h="370840">
+                <a:tc>
+                  <a:txBody>
+                    <a:bodyPr/>
+                    <a:lstStyle/>
+                    <a:p>
+                      <a:r>
+                        <a:rPr lang="en-US" dirty="0"/>
+                        <a:t>2</a:t>
+                      </a:r>
+                    </a:p>
+                  </a:txBody>
+                  <a:tcPr/>
+                </a:tc>
+                <a:tc>
+                  <a:txBody>
+                    <a:bodyPr/>
+                    <a:lstStyle/>
+                    <a:p>
+                      <a:r>
+                        <a:rPr lang="en-US" dirty="0"/>
+                        <a:t>2</a:t>
+                      </a:r>
+                    </a:p>
+                  </a:txBody>
+                  <a:tcPr/>
+                </a:tc>
+                <a:extLst>
+                  <a:ext uri="{0D108BD9-81ED-4DB2-BD59-A6C34878D82A}">
+                    <a16:rowId xmlns:a16="http://schemas.microsoft.com/office/drawing/2014/main" val="2397189156"/>
+                  </a:ext>
+                </a:extLst>
+              </a:tr>
+              <a:tr h="370840">
+                <a:tc>
+                  <a:txBody>
+                    <a:bodyPr/>
+                    <a:lstStyle/>
+                    <a:p>
+                      <a:r>
+                        <a:rPr lang="en-US" dirty="0"/>
+                        <a:t>3</a:t>
+                      </a:r>
+                    </a:p>
+                  </a:txBody>
+                  <a:tcPr/>
+                </a:tc>
+                <a:tc>
+                  <a:txBody>
+                    <a:bodyPr/>
+                    <a:lstStyle/>
+                    <a:p>
+                      <a:r>
+                        <a:rPr lang="en-US" dirty="0"/>
+                        <a:t>9</a:t>
+                      </a:r>
+                    </a:p>
+                  </a:txBody>
+                  <a:tcPr/>
+                </a:tc>
+                <a:extLst>
+                  <a:ext uri="{0D108BD9-81ED-4DB2-BD59-A6C34878D82A}">
+                    <a16:rowId xmlns:a16="http://schemas.microsoft.com/office/drawing/2014/main" val="3346157763"/>
+                  </a:ext>
+                </a:extLst>
+              </a:tr>
+              <a:tr h="370840">
+                <a:tc>
+                  <a:txBody>
+                    <a:bodyPr/>
+                    <a:lstStyle/>
+                    <a:p>
+                      <a:r>
+                        <a:rPr lang="en-US" dirty="0"/>
+                        <a:t>4</a:t>
+                      </a:r>
+                    </a:p>
+                  </a:txBody>
+                  <a:tcPr/>
+                </a:tc>
+                <a:tc>
+                  <a:txBody>
+                    <a:bodyPr/>
+                    <a:lstStyle/>
+                    <a:p>
+                      <a:r>
+                        <a:rPr lang="en-US" dirty="0"/>
+                        <a:t>16</a:t>
+                      </a:r>
+                    </a:p>
+                  </a:txBody>
+                  <a:tcPr/>
+                </a:tc>
+                <a:extLst>
+                  <a:ext uri="{0D108BD9-81ED-4DB2-BD59-A6C34878D82A}">
+                    <a16:rowId xmlns:a16="http://schemas.microsoft.com/office/drawing/2014/main" val="1367111694"/>
+                  </a:ext>
+                </a:extLst>
+              </a:tr>
+            </a:tbl>
+          </a:graphicData>
+        </a:graphic>
+      </p:graphicFrame>
+      <p:graphicFrame>
+        <p:nvGraphicFramePr>
+          <p:cNvPr id="5" name="Table 4">
+            <a:extLst>
+              <a:ext uri="{FF2B5EF4-FFF2-40B4-BE49-F238E27FC236}">
+                <a16:creationId xmlns:a16="http://schemas.microsoft.com/office/drawing/2014/main" id="{CB092AB7-A154-B68F-F2A2-679AC1DBA1AA}"/>
+              </a:ext>
+            </a:extLst>
+          </p:cNvPr>
+          <p:cNvGraphicFramePr>
+            <a:graphicFrameLocks noGrp="1"/>
+          </p:cNvGraphicFramePr>
+          <p:nvPr>
+            <p:extLst>
+              <p:ext uri="{D42A27DB-BD31-4B8C-83A1-F6EECF244321}">
+                <p14:modId xmlns:p14="http://schemas.microsoft.com/office/powerpoint/2010/main" val="4247380498"/>
+              </p:ext>
+            </p:extLst>
+          </p:nvPr>
+        </p:nvGraphicFramePr>
+        <p:xfrm>
+          <a:off x="5358809" y="4335639"/>
+          <a:ext cx="2565992" cy="2225040"/>
+        </p:xfrm>
+        <a:graphic>
+          <a:graphicData uri="http://schemas.openxmlformats.org/drawingml/2006/table">
+            <a:tbl>
+              <a:tblPr firstRow="1" bandRow="1">
+                <a:tableStyleId>{5C22544A-7EE6-4342-B048-85BDC9FD1C3A}</a:tableStyleId>
+              </a:tblPr>
+              <a:tblGrid>
+                <a:gridCol w="1297172">
+                  <a:extLst>
+                    <a:ext uri="{9D8B030D-6E8A-4147-A177-3AD203B41FA5}">
+                      <a16:colId xmlns:a16="http://schemas.microsoft.com/office/drawing/2014/main" val="3013170273"/>
+                    </a:ext>
+                  </a:extLst>
+                </a:gridCol>
+                <a:gridCol w="1268820">
+                  <a:extLst>
+                    <a:ext uri="{9D8B030D-6E8A-4147-A177-3AD203B41FA5}">
+                      <a16:colId xmlns:a16="http://schemas.microsoft.com/office/drawing/2014/main" val="903354354"/>
+                    </a:ext>
+                  </a:extLst>
+                </a:gridCol>
+              </a:tblGrid>
+              <a:tr h="370840">
+                <a:tc>
+                  <a:txBody>
+                    <a:bodyPr/>
+                    <a:lstStyle/>
+                    <a:p>
+                      <a:r>
+                        <a:rPr lang="en-US" dirty="0"/>
+                        <a:t>Key</a:t>
+                      </a:r>
+                    </a:p>
+                  </a:txBody>
+                  <a:tcPr/>
+                </a:tc>
+                <a:tc>
+                  <a:txBody>
+                    <a:bodyPr/>
+                    <a:lstStyle/>
+                    <a:p>
+                      <a:r>
+                        <a:rPr lang="en-US" dirty="0"/>
+                        <a:t>Value</a:t>
+                      </a:r>
+                    </a:p>
+                  </a:txBody>
+                  <a:tcPr/>
+                </a:tc>
+                <a:extLst>
+                  <a:ext uri="{0D108BD9-81ED-4DB2-BD59-A6C34878D82A}">
+                    <a16:rowId xmlns:a16="http://schemas.microsoft.com/office/drawing/2014/main" val="2731713160"/>
+                  </a:ext>
+                </a:extLst>
+              </a:tr>
+              <a:tr h="370840">
+                <a:tc>
+                  <a:txBody>
+                    <a:bodyPr/>
+                    <a:lstStyle/>
+                    <a:p>
+                      <a:r>
+                        <a:rPr lang="en-US" dirty="0"/>
+                        <a:t>“zero”</a:t>
+                      </a:r>
+                    </a:p>
+                  </a:txBody>
+                  <a:tcPr/>
+                </a:tc>
+                <a:tc>
+                  <a:txBody>
+                    <a:bodyPr/>
+                    <a:lstStyle/>
+                    <a:p>
+                      <a:r>
+                        <a:rPr lang="en-US" dirty="0"/>
+                        <a:t>1</a:t>
+                      </a:r>
+                    </a:p>
+                  </a:txBody>
+                  <a:tcPr/>
+                </a:tc>
+                <a:extLst>
+                  <a:ext uri="{0D108BD9-81ED-4DB2-BD59-A6C34878D82A}">
+                    <a16:rowId xmlns:a16="http://schemas.microsoft.com/office/drawing/2014/main" val="2928867430"/>
+                  </a:ext>
+                </a:extLst>
+              </a:tr>
+              <a:tr h="370840">
+                <a:tc>
+                  <a:txBody>
+                    <a:bodyPr/>
+                    <a:lstStyle/>
+                    <a:p>
+                      <a:r>
+                        <a:rPr lang="en-US" dirty="0"/>
+                        <a:t>“one”</a:t>
+                      </a:r>
+                    </a:p>
+                  </a:txBody>
+                  <a:tcPr/>
+                </a:tc>
+                <a:tc>
+                  <a:txBody>
+                    <a:bodyPr/>
+                    <a:lstStyle/>
+                    <a:p>
+                      <a:r>
+                        <a:rPr lang="en-US" dirty="0"/>
+                        <a:t>1</a:t>
+                      </a:r>
+                    </a:p>
+                  </a:txBody>
+                  <a:tcPr/>
+                </a:tc>
+                <a:extLst>
+                  <a:ext uri="{0D108BD9-81ED-4DB2-BD59-A6C34878D82A}">
+                    <a16:rowId xmlns:a16="http://schemas.microsoft.com/office/drawing/2014/main" val="154915069"/>
+                  </a:ext>
+                </a:extLst>
+              </a:tr>
+              <a:tr h="370840">
+                <a:tc>
+                  <a:txBody>
+                    <a:bodyPr/>
+                    <a:lstStyle/>
+                    <a:p>
+                      <a:r>
+                        <a:rPr lang="en-US" dirty="0"/>
+                        <a:t>“two”</a:t>
+                      </a:r>
+                    </a:p>
+                  </a:txBody>
+                  <a:tcPr/>
+                </a:tc>
+                <a:tc>
+                  <a:txBody>
+                    <a:bodyPr/>
+                    <a:lstStyle/>
+                    <a:p>
+                      <a:r>
+                        <a:rPr lang="en-US" dirty="0"/>
+                        <a:t>2</a:t>
+                      </a:r>
+                    </a:p>
+                  </a:txBody>
+                  <a:tcPr/>
+                </a:tc>
+                <a:extLst>
+                  <a:ext uri="{0D108BD9-81ED-4DB2-BD59-A6C34878D82A}">
+                    <a16:rowId xmlns:a16="http://schemas.microsoft.com/office/drawing/2014/main" val="2397189156"/>
+                  </a:ext>
+                </a:extLst>
+              </a:tr>
+              <a:tr h="370840">
+                <a:tc>
+                  <a:txBody>
+                    <a:bodyPr/>
+                    <a:lstStyle/>
+                    <a:p>
+                      <a:r>
+                        <a:rPr lang="en-US" dirty="0"/>
+                        <a:t>“three”</a:t>
+                      </a:r>
+                    </a:p>
+                  </a:txBody>
+                  <a:tcPr/>
+                </a:tc>
+                <a:tc>
+                  <a:txBody>
+                    <a:bodyPr/>
+                    <a:lstStyle/>
+                    <a:p>
+                      <a:r>
+                        <a:rPr lang="en-US" dirty="0"/>
+                        <a:t>9</a:t>
+                      </a:r>
+                    </a:p>
+                  </a:txBody>
+                  <a:tcPr/>
+                </a:tc>
+                <a:extLst>
+                  <a:ext uri="{0D108BD9-81ED-4DB2-BD59-A6C34878D82A}">
+                    <a16:rowId xmlns:a16="http://schemas.microsoft.com/office/drawing/2014/main" val="3346157763"/>
+                  </a:ext>
+                </a:extLst>
+              </a:tr>
+              <a:tr h="370840">
+                <a:tc>
+                  <a:txBody>
+                    <a:bodyPr/>
+                    <a:lstStyle/>
+                    <a:p>
+                      <a:r>
+                        <a:rPr lang="en-US" dirty="0"/>
+                        <a:t>“four”</a:t>
+                      </a:r>
+                    </a:p>
+                  </a:txBody>
+                  <a:tcPr/>
+                </a:tc>
+                <a:tc>
+                  <a:txBody>
+                    <a:bodyPr/>
+                    <a:lstStyle/>
+                    <a:p>
+                      <a:r>
+                        <a:rPr lang="en-US" dirty="0"/>
+                        <a:t>16</a:t>
+                      </a:r>
+                    </a:p>
+                  </a:txBody>
+                  <a:tcPr/>
+                </a:tc>
+                <a:extLst>
+                  <a:ext uri="{0D108BD9-81ED-4DB2-BD59-A6C34878D82A}">
+                    <a16:rowId xmlns:a16="http://schemas.microsoft.com/office/drawing/2014/main" val="1367111694"/>
+                  </a:ext>
+                </a:extLst>
+              </a:tr>
+            </a:tbl>
+          </a:graphicData>
+        </a:graphic>
+      </p:graphicFrame>
     </p:spTree>
     <p:extLst>
       <p:ext uri="{BB962C8B-B14F-4D97-AF65-F5344CB8AC3E}">
-        <p14:creationId xmlns:p14="http://schemas.microsoft.com/office/powerpoint/2010/main" val="2468141845"/>
+        <p14:creationId xmlns:p14="http://schemas.microsoft.com/office/powerpoint/2010/main" val="2875992308"/>
       </p:ext>
     </p:extLst>
   </p:cSld>
@@ -8969,40 +9592,31 @@
         </p:nvSpPr>
         <p:spPr/>
         <p:txBody>
-          <a:bodyPr>
-            <a:normAutofit/>
-          </a:bodyPr>
+          <a:bodyPr/>
           <a:lstStyle/>
           <a:p>
             <a:r>
-              <a:rPr lang="en-US"/>
-              <a:t>Make groups of two (no more than 3, no one can work alone)</a:t>
-            </a:r>
-          </a:p>
-          <a:p>
-            <a:r>
-              <a:rPr lang="en-US"/>
-              <a:t>Read through the 3 Map sample problems with your partner and make sure you both understand how they work</a:t>
-            </a:r>
-          </a:p>
-          <a:p>
-            <a:r>
-              <a:rPr lang="en-US"/>
-              <a:t>Then use the code as an example to answer the Map quiz questions (on Moodle)</a:t>
-            </a:r>
-          </a:p>
-          <a:p>
-            <a:r>
-              <a:rPr lang="en-US"/>
-              <a:t>Then solve the map problems in today’s code</a:t>
-            </a:r>
+              <a:rPr lang="en-US" dirty="0"/>
+              <a:t>Sometimes, it’s difficult to fully understand maps.</a:t>
+            </a:r>
+          </a:p>
+          <a:p>
+            <a:r>
+              <a:rPr lang="en-US" dirty="0"/>
+              <a:t>Let’s work with MapExampleV1 from Team's channel </a:t>
+            </a:r>
+            <a:r>
+              <a:rPr lang="en-US" i="1" dirty="0"/>
+              <a:t>for Hollingsworth Sections</a:t>
+            </a:r>
+            <a:endParaRPr lang="en-US" dirty="0"/>
           </a:p>
         </p:txBody>
       </p:sp>
     </p:spTree>
     <p:extLst>
       <p:ext uri="{BB962C8B-B14F-4D97-AF65-F5344CB8AC3E}">
-        <p14:creationId xmlns:p14="http://schemas.microsoft.com/office/powerpoint/2010/main" val="3686379248"/>
+        <p14:creationId xmlns:p14="http://schemas.microsoft.com/office/powerpoint/2010/main" val="2468141845"/>
       </p:ext>
     </p:extLst>
   </p:cSld>
@@ -9061,37 +9675,65 @@
             <p:ph idx="1"/>
           </p:nvPr>
         </p:nvSpPr>
-        <p:spPr/>
+        <p:spPr>
+          <a:xfrm>
+            <a:off x="457200" y="1600200"/>
+            <a:ext cx="8229600" cy="5098312"/>
+          </a:xfrm>
+        </p:spPr>
         <p:txBody>
           <a:bodyPr>
-            <a:normAutofit/>
+            <a:normAutofit fontScale="92500" lnSpcReduction="10000"/>
           </a:bodyPr>
           <a:lstStyle/>
           <a:p>
             <a:r>
-              <a:rPr lang="en-US"/>
+              <a:rPr lang="en-US" dirty="0"/>
               <a:t>Read through the 3 Map sample problems found in </a:t>
             </a:r>
             <a:r>
-              <a:rPr lang="en-US" i="1"/>
+              <a:rPr lang="en-US" i="1" dirty="0"/>
               <a:t>2DArraysAndMapsSamples.pdf </a:t>
             </a:r>
             <a:r>
-              <a:rPr lang="en-US"/>
+              <a:rPr lang="en-US" dirty="0"/>
               <a:t>and make sure you understand how they work</a:t>
             </a:r>
           </a:p>
           <a:p>
             <a:r>
-              <a:rPr lang="en-US"/>
+              <a:rPr lang="en-US" dirty="0"/>
               <a:t>Then use the code as an example to answer the Map quiz questions</a:t>
             </a:r>
           </a:p>
           <a:p>
             <a:r>
-              <a:rPr lang="en-US"/>
+              <a:rPr lang="en-US" dirty="0"/>
               <a:t>Then solve the map problems in today’s code</a:t>
             </a:r>
+          </a:p>
+          <a:p>
+            <a:r>
+              <a:rPr lang="en-US" dirty="0"/>
+              <a:t>Post ANY questions to Piazza </a:t>
+            </a:r>
+            <a:r>
+              <a:rPr lang="en-US" b="1" i="1" u="sng" dirty="0"/>
+              <a:t>even including code </a:t>
+            </a:r>
+            <a:r>
+              <a:rPr lang="en-US" dirty="0"/>
+              <a:t>since this is purely collaborative exercise and the solution code is available to you</a:t>
+            </a:r>
+          </a:p>
+          <a:p>
+            <a:r>
+              <a:rPr lang="en-US" dirty="0"/>
+              <a:t>Please look to help answer questions other students post</a:t>
+            </a:r>
+          </a:p>
+          <a:p>
+            <a:endParaRPr lang="en-US" dirty="0"/>
           </a:p>
         </p:txBody>
       </p:sp>

--- a/ClassMaterials/2DArraysAndMaps/Slides/Part3-Maps.pptx
+++ b/ClassMaterials/2DArraysAndMaps/Slides/Part3-Maps.pptx
@@ -319,22 +319,6 @@
             <ac:spMk id="8" creationId="{00000000-0000-0000-0000-000000000000}"/>
           </ac:spMkLst>
         </pc:spChg>
-      </pc:sldChg>
-    </pc:docChg>
-  </pc:docChgLst>
-  <pc:docChgLst>
-    <pc:chgData name="Lewandowski, Alec" userId="S::lewandaj@rose-hulman.edu::7c69e43b-7396-47b2-a000-e4b1fd9aa6ef" providerId="AD" clId="Web-{4449F7AC-1410-4252-986F-7997E84350D8}"/>
-    <pc:docChg chg="addSld delSld">
-      <pc:chgData name="Lewandowski, Alec" userId="S::lewandaj@rose-hulman.edu::7c69e43b-7396-47b2-a000-e4b1fd9aa6ef" providerId="AD" clId="Web-{4449F7AC-1410-4252-986F-7997E84350D8}" dt="2022-09-08T14:56:06.982" v="1"/>
-      <pc:docMkLst>
-        <pc:docMk/>
-      </pc:docMkLst>
-      <pc:sldChg chg="add del">
-        <pc:chgData name="Lewandowski, Alec" userId="S::lewandaj@rose-hulman.edu::7c69e43b-7396-47b2-a000-e4b1fd9aa6ef" providerId="AD" clId="Web-{4449F7AC-1410-4252-986F-7997E84350D8}" dt="2022-09-08T14:56:06.982" v="1"/>
-        <pc:sldMkLst>
-          <pc:docMk/>
-          <pc:sldMk cId="3615992630" sldId="319"/>
-        </pc:sldMkLst>
       </pc:sldChg>
     </pc:docChg>
   </pc:docChgLst>
@@ -772,6 +756,22 @@
     </pc:docChg>
   </pc:docChgLst>
   <pc:docChgLst>
+    <pc:chgData name="Lewandowski, Alec" userId="S::lewandaj@rose-hulman.edu::7c69e43b-7396-47b2-a000-e4b1fd9aa6ef" providerId="AD" clId="Web-{4449F7AC-1410-4252-986F-7997E84350D8}"/>
+    <pc:docChg chg="addSld delSld">
+      <pc:chgData name="Lewandowski, Alec" userId="S::lewandaj@rose-hulman.edu::7c69e43b-7396-47b2-a000-e4b1fd9aa6ef" providerId="AD" clId="Web-{4449F7AC-1410-4252-986F-7997E84350D8}" dt="2022-09-08T14:56:06.982" v="1"/>
+      <pc:docMkLst>
+        <pc:docMk/>
+      </pc:docMkLst>
+      <pc:sldChg chg="add del">
+        <pc:chgData name="Lewandowski, Alec" userId="S::lewandaj@rose-hulman.edu::7c69e43b-7396-47b2-a000-e4b1fd9aa6ef" providerId="AD" clId="Web-{4449F7AC-1410-4252-986F-7997E84350D8}" dt="2022-09-08T14:56:06.982" v="1"/>
+        <pc:sldMkLst>
+          <pc:docMk/>
+          <pc:sldMk cId="3615992630" sldId="319"/>
+        </pc:sldMkLst>
+      </pc:sldChg>
+    </pc:docChg>
+  </pc:docChgLst>
+  <pc:docChgLst>
     <pc:chgData name="Hollingsworth, Joseph" userId="6338ef61-550f-4a52-a8a3-bd9025908f10" providerId="ADAL" clId="{82C04DF7-5114-CF43-A7F9-40D6478D9412}"/>
     <pc:docChg chg="modSld">
       <pc:chgData name="Hollingsworth, Joseph" userId="6338ef61-550f-4a52-a8a3-bd9025908f10" providerId="ADAL" clId="{82C04DF7-5114-CF43-A7F9-40D6478D9412}" dt="2022-03-10T02:02:35.406" v="16" actId="6549"/>
@@ -915,7 +915,7 @@
               <a:pPr>
                 <a:defRPr/>
               </a:pPr>
-              <a:t>12/1/2022</a:t>
+              <a:t>11/30/2023</a:t>
             </a:fld>
             <a:endParaRPr lang="en-US"/>
           </a:p>
@@ -1150,7 +1150,7 @@
               <a:pPr>
                 <a:defRPr/>
               </a:pPr>
-              <a:t>12/1/2022</a:t>
+              <a:t>11/30/2023</a:t>
             </a:fld>
             <a:endParaRPr lang="en-US"/>
           </a:p>
@@ -2028,7 +2028,63 @@
           <a:bodyPr/>
           <a:lstStyle/>
           <a:p>
-            <a:endParaRPr lang="en-US"/>
+            <a:r>
+              <a:rPr lang="en-US" dirty="0"/>
+              <a:t>This might create a problem if there are two airports in the same zip code.</a:t>
+            </a:r>
+          </a:p>
+          <a:p>
+            <a:r>
+              <a:rPr lang="en-US" dirty="0"/>
+              <a:t>Q: How could we fix that issue and store information if there are two airports in one </a:t>
+            </a:r>
+            <a:r>
+              <a:rPr lang="en-US" dirty="0" err="1"/>
+              <a:t>zipcode</a:t>
+            </a:r>
+            <a:r>
+              <a:rPr lang="en-US" dirty="0"/>
+              <a:t>?</a:t>
+            </a:r>
+          </a:p>
+          <a:p>
+            <a:r>
+              <a:rPr lang="en-US" dirty="0"/>
+              <a:t>A: We could reverse the order so that the key is the String (Airport) and the value is the </a:t>
+            </a:r>
+            <a:r>
+              <a:rPr lang="en-US" dirty="0" err="1"/>
+              <a:t>zipcode</a:t>
+            </a:r>
+            <a:endParaRPr lang="en-US" dirty="0"/>
+          </a:p>
+          <a:p>
+            <a:r>
+              <a:rPr lang="en-US" dirty="0"/>
+              <a:t>Q: What if there is also Airport that is in two </a:t>
+            </a:r>
+            <a:r>
+              <a:rPr lang="en-US" dirty="0" err="1"/>
+              <a:t>zipcodes</a:t>
+            </a:r>
+            <a:r>
+              <a:rPr lang="en-US" dirty="0"/>
+              <a:t>?</a:t>
+            </a:r>
+          </a:p>
+          <a:p>
+            <a:r>
+              <a:rPr lang="en-US" dirty="0"/>
+              <a:t>A: We need to store information in a non one-to-one correspondence. This means the value needs to be a collection. </a:t>
+            </a:r>
+            <a:r>
+              <a:rPr lang="en-US"/>
+              <a:t>We will </a:t>
+            </a:r>
+            <a:r>
+              <a:rPr lang="en-US" dirty="0"/>
+              <a:t>look at an example late of this. (Social Media example)</a:t>
+            </a:r>
           </a:p>
         </p:txBody>
       </p:sp>
@@ -2739,7 +2795,7 @@
               <a:pPr>
                 <a:defRPr/>
               </a:pPr>
-              <a:t>Thursday, December 1, 2022</a:t>
+              <a:t>Thursday, November 30, 2023</a:t>
             </a:fld>
             <a:endParaRPr lang="en-US"/>
           </a:p>
@@ -2922,7 +2978,7 @@
               <a:pPr>
                 <a:defRPr/>
               </a:pPr>
-              <a:t>Thursday, December 1, 2022</a:t>
+              <a:t>Thursday, November 30, 2023</a:t>
             </a:fld>
             <a:endParaRPr lang="en-US"/>
           </a:p>
@@ -3115,7 +3171,7 @@
               <a:pPr>
                 <a:defRPr/>
               </a:pPr>
-              <a:t>Thursday, December 1, 2022</a:t>
+              <a:t>Thursday, November 30, 2023</a:t>
             </a:fld>
             <a:endParaRPr lang="en-US"/>
           </a:p>
@@ -3298,7 +3354,7 @@
               <a:pPr>
                 <a:defRPr/>
               </a:pPr>
-              <a:t>Thursday, December 1, 2022</a:t>
+              <a:t>Thursday, November 30, 2023</a:t>
             </a:fld>
             <a:endParaRPr lang="en-US"/>
           </a:p>
@@ -3558,7 +3614,7 @@
               <a:pPr>
                 <a:defRPr/>
               </a:pPr>
-              <a:t>Thursday, December 1, 2022</a:t>
+              <a:t>Thursday, November 30, 2023</a:t>
             </a:fld>
             <a:endParaRPr lang="en-US"/>
           </a:p>
@@ -3858,7 +3914,7 @@
               <a:pPr>
                 <a:defRPr/>
               </a:pPr>
-              <a:t>Thursday, December 1, 2022</a:t>
+              <a:t>Thursday, November 30, 2023</a:t>
             </a:fld>
             <a:endParaRPr lang="en-US"/>
           </a:p>
@@ -4292,7 +4348,7 @@
               <a:pPr>
                 <a:defRPr/>
               </a:pPr>
-              <a:t>Thursday, December 1, 2022</a:t>
+              <a:t>Thursday, November 30, 2023</a:t>
             </a:fld>
             <a:endParaRPr lang="en-US"/>
           </a:p>
@@ -4424,7 +4480,7 @@
               <a:pPr>
                 <a:defRPr/>
               </a:pPr>
-              <a:t>Thursday, December 1, 2022</a:t>
+              <a:t>Thursday, November 30, 2023</a:t>
             </a:fld>
             <a:endParaRPr lang="en-US"/>
           </a:p>
@@ -4534,7 +4590,7 @@
               <a:pPr>
                 <a:defRPr/>
               </a:pPr>
-              <a:t>Thursday, December 1, 2022</a:t>
+              <a:t>Thursday, November 30, 2023</a:t>
             </a:fld>
             <a:endParaRPr lang="en-US"/>
           </a:p>
@@ -4824,7 +4880,7 @@
               <a:pPr>
                 <a:defRPr/>
               </a:pPr>
-              <a:t>Thursday, December 1, 2022</a:t>
+              <a:t>Thursday, November 30, 2023</a:t>
             </a:fld>
             <a:endParaRPr lang="en-US"/>
           </a:p>
@@ -5091,7 +5147,7 @@
               <a:pPr>
                 <a:defRPr/>
               </a:pPr>
-              <a:t>Thursday, December 1, 2022</a:t>
+              <a:t>Thursday, November 30, 2023</a:t>
             </a:fld>
             <a:endParaRPr lang="en-US"/>
           </a:p>
@@ -5317,7 +5373,7 @@
               <a:pPr>
                 <a:defRPr/>
               </a:pPr>
-              <a:t>Thursday, December 1, 2022</a:t>
+              <a:t>Thursday, November 30, 2023</a:t>
             </a:fld>
             <a:endParaRPr lang="en-US"/>
           </a:p>
@@ -6597,53 +6653,6 @@
       </p:sp>
       <p:sp>
         <p:nvSpPr>
-          <p:cNvPr id="8" name="TextBox 7"/>
-          <p:cNvSpPr txBox="1"/>
-          <p:nvPr/>
-        </p:nvSpPr>
-        <p:spPr>
-          <a:xfrm>
-            <a:off x="1942819" y="5310690"/>
-            <a:ext cx="6400800" cy="369332"/>
-          </a:xfrm>
-          <a:prstGeom prst="rect">
-            <a:avLst/>
-          </a:prstGeom>
-          <a:solidFill>
-            <a:srgbClr val="FFFF00"/>
-          </a:solidFill>
-        </p:spPr>
-        <p:txBody>
-          <a:bodyPr wrap="square" rtlCol="0">
-            <a:spAutoFit/>
-          </a:bodyPr>
-          <a:lstStyle/>
-          <a:p>
-            <a:r>
-              <a:rPr lang="en-US"/>
-              <a:t>NULL POINTER EXCEPTION: </a:t>
-            </a:r>
-            <a:r>
-              <a:rPr lang="en-US" err="1">
-                <a:latin typeface="Consolas" panose="020B0609020204030204" pitchFamily="49" charset="0"/>
-              </a:rPr>
-              <a:t>friendMap.get</a:t>
-            </a:r>
-            <a:r>
-              <a:rPr lang="en-US">
-                <a:latin typeface="Consolas" panose="020B0609020204030204" pitchFamily="49" charset="0"/>
-              </a:rPr>
-              <a:t>("JP")</a:t>
-            </a:r>
-            <a:r>
-              <a:rPr lang="en-US"/>
-              <a:t> is null</a:t>
-            </a:r>
-          </a:p>
-        </p:txBody>
-      </p:sp>
-      <p:sp>
-        <p:nvSpPr>
           <p:cNvPr id="9" name="TextBox 8"/>
           <p:cNvSpPr txBox="1"/>
           <p:nvPr/>
@@ -6859,7 +6868,13 @@
           <p:cNvGraphicFramePr>
             <a:graphicFrameLocks noGrp="1"/>
           </p:cNvGraphicFramePr>
-          <p:nvPr/>
+          <p:nvPr>
+            <p:extLst>
+              <p:ext uri="{D42A27DB-BD31-4B8C-83A1-F6EECF244321}">
+                <p14:modId xmlns:p14="http://schemas.microsoft.com/office/powerpoint/2010/main" val="2380909044"/>
+              </p:ext>
+            </p:extLst>
+          </p:nvPr>
         </p:nvGraphicFramePr>
         <p:xfrm>
           <a:off x="2438400" y="5144298"/>
@@ -6999,7 +7014,7 @@
                     <a:bodyPr/>
                     <a:lstStyle/>
                     <a:p>
-                      <a:endParaRPr lang="en-US"/>
+                      <a:endParaRPr lang="en-US" dirty="0"/>
                     </a:p>
                   </a:txBody>
                   <a:tcPr/>
@@ -7009,7 +7024,7 @@
                     <a:bodyPr/>
                     <a:lstStyle/>
                     <a:p>
-                      <a:endParaRPr lang="en-US"/>
+                      <a:endParaRPr lang="en-US" dirty="0"/>
                     </a:p>
                   </a:txBody>
                   <a:tcPr/>
@@ -7024,6 +7039,53 @@
           </a:graphicData>
         </a:graphic>
       </p:graphicFrame>
+      <p:sp>
+        <p:nvSpPr>
+          <p:cNvPr id="8" name="TextBox 7"/>
+          <p:cNvSpPr txBox="1"/>
+          <p:nvPr/>
+        </p:nvSpPr>
+        <p:spPr>
+          <a:xfrm>
+            <a:off x="1942819" y="5310690"/>
+            <a:ext cx="6400800" cy="369332"/>
+          </a:xfrm>
+          <a:prstGeom prst="rect">
+            <a:avLst/>
+          </a:prstGeom>
+          <a:solidFill>
+            <a:srgbClr val="FFFF00"/>
+          </a:solidFill>
+        </p:spPr>
+        <p:txBody>
+          <a:bodyPr wrap="square" rtlCol="0">
+            <a:spAutoFit/>
+          </a:bodyPr>
+          <a:lstStyle/>
+          <a:p>
+            <a:r>
+              <a:rPr lang="en-US" dirty="0"/>
+              <a:t>NULL POINTER EXCEPTION: </a:t>
+            </a:r>
+            <a:r>
+              <a:rPr lang="en-US" dirty="0" err="1">
+                <a:latin typeface="Consolas" panose="020B0609020204030204" pitchFamily="49" charset="0"/>
+              </a:rPr>
+              <a:t>friendMap.get</a:t>
+            </a:r>
+            <a:r>
+              <a:rPr lang="en-US" dirty="0">
+                <a:latin typeface="Consolas" panose="020B0609020204030204" pitchFamily="49" charset="0"/>
+              </a:rPr>
+              <a:t>("JP")</a:t>
+            </a:r>
+            <a:r>
+              <a:rPr lang="en-US" dirty="0"/>
+              <a:t> is null</a:t>
+            </a:r>
+          </a:p>
+        </p:txBody>
+      </p:sp>
     </p:spTree>
     <p:extLst>
       <p:ext uri="{BB962C8B-B14F-4D97-AF65-F5344CB8AC3E}">
@@ -7811,8 +7873,8 @@
       <p:bldP spid="5" grpId="0" animBg="1"/>
       <p:bldP spid="6" grpId="0" animBg="1"/>
       <p:bldP spid="7" grpId="0" animBg="1"/>
+      <p:bldP spid="9" grpId="0"/>
       <p:bldP spid="8" grpId="0" animBg="1"/>
-      <p:bldP spid="9" grpId="0"/>
     </p:bldLst>
   </p:timing>
 </p:sld>
@@ -9047,7 +9109,7 @@
           <p:nvPr>
             <p:extLst>
               <p:ext uri="{D42A27DB-BD31-4B8C-83A1-F6EECF244321}">
-                <p14:modId xmlns:p14="http://schemas.microsoft.com/office/powerpoint/2010/main" val="4236396850"/>
+                <p14:modId xmlns:p14="http://schemas.microsoft.com/office/powerpoint/2010/main" val="1991889380"/>
               </p:ext>
             </p:extLst>
           </p:nvPr>
@@ -9132,7 +9194,7 @@
                     <a:p>
                       <a:r>
                         <a:rPr lang="en-US" dirty="0"/>
-                        <a:t>1</a:t>
+                        <a:t>0</a:t>
                       </a:r>
                     </a:p>
                   </a:txBody>
@@ -9198,7 +9260,7 @@
                     <a:p>
                       <a:r>
                         <a:rPr lang="en-US" dirty="0"/>
-                        <a:t>2</a:t>
+                        <a:t>4</a:t>
                       </a:r>
                     </a:p>
                   </a:txBody>
@@ -9295,7 +9357,7 @@
           <p:nvPr>
             <p:extLst>
               <p:ext uri="{D42A27DB-BD31-4B8C-83A1-F6EECF244321}">
-                <p14:modId xmlns:p14="http://schemas.microsoft.com/office/powerpoint/2010/main" val="4247380498"/>
+                <p14:modId xmlns:p14="http://schemas.microsoft.com/office/powerpoint/2010/main" val="1278497536"/>
               </p:ext>
             </p:extLst>
           </p:nvPr>
@@ -9380,7 +9442,7 @@
                     <a:p>
                       <a:r>
                         <a:rPr lang="en-US" dirty="0"/>
-                        <a:t>1</a:t>
+                        <a:t>0</a:t>
                       </a:r>
                     </a:p>
                   </a:txBody>
@@ -9446,7 +9508,7 @@
                     <a:p>
                       <a:r>
                         <a:rPr lang="en-US" dirty="0"/>
-                        <a:t>2</a:t>
+                        <a:t>4</a:t>
                       </a:r>
                     </a:p>
                   </a:txBody>
@@ -10967,15 +11029,6 @@
 </file>
 
 <file path=customXml/item1.xml><?xml version="1.0" encoding="utf-8"?>
-<?mso-contentType ?>
-<FormTemplates xmlns="http://schemas.microsoft.com/sharepoint/v3/contenttype/forms">
-  <Display>DocumentLibraryForm</Display>
-  <Edit>DocumentLibraryForm</Edit>
-  <New>DocumentLibraryForm</New>
-</FormTemplates>
-</file>
-
-<file path=customXml/item2.xml><?xml version="1.0" encoding="utf-8"?>
 <ct:contentTypeSchema xmlns:ct="http://schemas.microsoft.com/office/2006/metadata/contentType" xmlns:ma="http://schemas.microsoft.com/office/2006/metadata/properties/metaAttributes" ct:_="" ma:_="" ma:contentTypeName="Document" ma:contentTypeID="0x0101004285D81DBE5F5A448E892B34D6B8CF20" ma:contentTypeVersion="8" ma:contentTypeDescription="Create a new document." ma:contentTypeScope="" ma:versionID="ecce54155d2ea7caa9aed06c8b6b9867">
   <xsd:schema xmlns:xsd="http://www.w3.org/2001/XMLSchema" xmlns:xs="http://www.w3.org/2001/XMLSchema" xmlns:p="http://schemas.microsoft.com/office/2006/metadata/properties" xmlns:ns2="08600313-7276-4ca7-b5d3-7d86193ee0ac" xmlns:ns3="820f9cb1-409d-4c4b-8197-1d4f7dd48124" targetNamespace="http://schemas.microsoft.com/office/2006/metadata/properties" ma:root="true" ma:fieldsID="bfd7385540b70b2fe84ac888cc214377" ns2:_="" ns3:_="">
     <xsd:import namespace="08600313-7276-4ca7-b5d3-7d86193ee0ac"/>
@@ -11152,6 +11205,15 @@
 </ct:contentTypeSchema>
 </file>
 
+<file path=customXml/item2.xml><?xml version="1.0" encoding="utf-8"?>
+<?mso-contentType ?>
+<FormTemplates xmlns="http://schemas.microsoft.com/sharepoint/v3/contenttype/forms">
+  <Display>DocumentLibraryForm</Display>
+  <Edit>DocumentLibraryForm</Edit>
+  <New>DocumentLibraryForm</New>
+</FormTemplates>
+</file>
+
 <file path=customXml/item3.xml><?xml version="1.0" encoding="utf-8"?>
 <p:properties xmlns:p="http://schemas.microsoft.com/office/2006/metadata/properties" xmlns:xsi="http://www.w3.org/2001/XMLSchema-instance" xmlns:pc="http://schemas.microsoft.com/office/infopath/2007/PartnerControls">
   <documentManagement>
@@ -11164,14 +11226,6 @@
 </file>
 
 <file path=customXml/itemProps1.xml><?xml version="1.0" encoding="utf-8"?>
-<ds:datastoreItem xmlns:ds="http://schemas.openxmlformats.org/officeDocument/2006/customXml" ds:itemID="{29A08FB1-921F-4826-8B4B-8F80D137C2A8}">
-  <ds:schemaRefs>
-    <ds:schemaRef ds:uri="http://schemas.microsoft.com/sharepoint/v3/contenttype/forms"/>
-  </ds:schemaRefs>
-</ds:datastoreItem>
-</file>
-
-<file path=customXml/itemProps2.xml><?xml version="1.0" encoding="utf-8"?>
 <ds:datastoreItem xmlns:ds="http://schemas.openxmlformats.org/officeDocument/2006/customXml" ds:itemID="{506930A9-2269-4C50-A3CA-3568D9D5863C}">
   <ds:schemaRefs>
     <ds:schemaRef ds:uri="http://schemas.microsoft.com/office/2006/metadata/contentType"/>
@@ -11186,6 +11240,14 @@
     <ds:schemaRef ds:uri="http://purl.org/dc/elements/1.1/"/>
     <ds:schemaRef ds:uri="http://purl.org/dc/terms/"/>
     <ds:schemaRef ds:uri="http://schemas.microsoft.com/internal/obd"/>
+  </ds:schemaRefs>
+</ds:datastoreItem>
+</file>
+
+<file path=customXml/itemProps2.xml><?xml version="1.0" encoding="utf-8"?>
+<ds:datastoreItem xmlns:ds="http://schemas.openxmlformats.org/officeDocument/2006/customXml" ds:itemID="{29A08FB1-921F-4826-8B4B-8F80D137C2A8}">
+  <ds:schemaRefs>
+    <ds:schemaRef ds:uri="http://schemas.microsoft.com/sharepoint/v3/contenttype/forms"/>
   </ds:schemaRefs>
 </ds:datastoreItem>
 </file>
